--- a/doc/archive/cs3216 asgn3 database schema.pptx
+++ b/doc/archive/cs3216 asgn3 database schema.pptx
@@ -5,10 +5,11 @@
     <p:sldMasterId id="2147483648" r:id="rId1"/>
   </p:sldMasterIdLst>
   <p:notesMasterIdLst>
-    <p:notesMasterId r:id="rId3"/>
+    <p:notesMasterId r:id="rId4"/>
   </p:notesMasterIdLst>
   <p:sldIdLst>
     <p:sldId id="256" r:id="rId2"/>
+    <p:sldId id="257" r:id="rId3"/>
   </p:sldIdLst>
   <p:sldSz cx="9144000" cy="6858000" type="screen4x3"/>
   <p:notesSz cx="6858000" cy="9144000"/>
@@ -517,18 +518,30 @@
           </a:p>
           <a:p>
             <a:r>
-              <a:rPr lang="en-US" dirty="0" smtClean="0">
+              <a:rPr lang="en-US" smtClean="0">
                 <a:hlinkClick r:id="rId4"/>
               </a:rPr>
-              <a:t>http://cisnet.baruch.cuny.edu/holowczak/classes/9440/drawerppt/how_to_draw_er_in_ppt.pdf</a:t>
-            </a:r>
+              <a:t>http://www.kawoolutions.com/SQL_Database_Design/5._Properties_of_Relationships/5.6_Epilog_on_Relationship_Notations</a:t>
+            </a:r>
+            <a:endParaRPr lang="en-US" smtClean="0"/>
+          </a:p>
+          <a:p>
             <a:endParaRPr lang="en-US" dirty="0" smtClean="0"/>
           </a:p>
           <a:p>
             <a:r>
-              <a:rPr lang="en-US" smtClean="0">
+              <a:rPr lang="en-US" dirty="0" smtClean="0">
                 <a:hlinkClick r:id="rId5"/>
               </a:rPr>
+              <a:t>http://cisnet.baruch.cuny.edu/holowczak/classes/9440/drawerppt/how_to_draw_er_in_ppt.pdf</a:t>
+            </a:r>
+            <a:endParaRPr lang="en-US" dirty="0" smtClean="0"/>
+          </a:p>
+          <a:p>
+            <a:r>
+              <a:rPr lang="en-US" dirty="0" smtClean="0">
+                <a:hlinkClick r:id="rId6"/>
+              </a:rPr>
               <a:t>http://holowczak.com/drawing-e-r-diagrams-with-crows-foot-notation-using-microsoft-visio-tutorial/</a:t>
             </a:r>
             <a:endParaRPr lang="en-US" dirty="0"/>
@@ -553,6 +566,90 @@
             <a:fld id="{C36AF29C-1538-4342-BC62-62C04249F027}" type="slidenum">
               <a:rPr lang="en-US" smtClean="0"/>
               <a:t>1</a:t>
+            </a:fld>
+            <a:endParaRPr lang="en-US"/>
+          </a:p>
+        </p:txBody>
+      </p:sp>
+    </p:spTree>
+    <p:extLst>
+      <p:ext uri="{BB962C8B-B14F-4D97-AF65-F5344CB8AC3E}">
+        <p14:creationId xmlns:p14="http://schemas.microsoft.com/office/powerpoint/2010/main" val="2180478927"/>
+      </p:ext>
+    </p:extLst>
+  </p:cSld>
+  <p:clrMapOvr>
+    <a:masterClrMapping/>
+  </p:clrMapOvr>
+</p:notes>
+</file>
+
+<file path=ppt/notesSlides/notesSlide2.xml><?xml version="1.0" encoding="utf-8"?>
+<p:notes xmlns:a="http://schemas.openxmlformats.org/drawingml/2006/main" xmlns:r="http://schemas.openxmlformats.org/officeDocument/2006/relationships" xmlns:p="http://schemas.openxmlformats.org/presentationml/2006/main">
+  <p:cSld>
+    <p:spTree>
+      <p:nvGrpSpPr>
+        <p:cNvPr id="1" name=""/>
+        <p:cNvGrpSpPr/>
+        <p:nvPr/>
+      </p:nvGrpSpPr>
+      <p:grpSpPr>
+        <a:xfrm>
+          <a:off x="0" y="0"/>
+          <a:ext cx="0" cy="0"/>
+          <a:chOff x="0" y="0"/>
+          <a:chExt cx="0" cy="0"/>
+        </a:xfrm>
+      </p:grpSpPr>
+      <p:sp>
+        <p:nvSpPr>
+          <p:cNvPr id="2" name="Slide Image Placeholder 1"/>
+          <p:cNvSpPr>
+            <a:spLocks noGrp="1" noRot="1" noChangeAspect="1"/>
+          </p:cNvSpPr>
+          <p:nvPr>
+            <p:ph type="sldImg"/>
+          </p:nvPr>
+        </p:nvSpPr>
+        <p:spPr/>
+      </p:sp>
+      <p:sp>
+        <p:nvSpPr>
+          <p:cNvPr id="3" name="Notes Placeholder 2"/>
+          <p:cNvSpPr>
+            <a:spLocks noGrp="1"/>
+          </p:cNvSpPr>
+          <p:nvPr>
+            <p:ph type="body" idx="1"/>
+          </p:nvPr>
+        </p:nvSpPr>
+        <p:spPr/>
+        <p:txBody>
+          <a:bodyPr/>
+          <a:lstStyle/>
+          <a:p>
+            <a:endParaRPr lang="en-US" dirty="0"/>
+          </a:p>
+        </p:txBody>
+      </p:sp>
+      <p:sp>
+        <p:nvSpPr>
+          <p:cNvPr id="4" name="Slide Number Placeholder 3"/>
+          <p:cNvSpPr>
+            <a:spLocks noGrp="1"/>
+          </p:cNvSpPr>
+          <p:nvPr>
+            <p:ph type="sldNum" sz="quarter" idx="10"/>
+          </p:nvPr>
+        </p:nvSpPr>
+        <p:spPr/>
+        <p:txBody>
+          <a:bodyPr/>
+          <a:lstStyle/>
+          <a:p>
+            <a:fld id="{C36AF29C-1538-4342-BC62-62C04249F027}" type="slidenum">
+              <a:rPr lang="en-US" smtClean="0"/>
+              <a:t>2</a:t>
             </a:fld>
             <a:endParaRPr lang="en-US"/>
           </a:p>
@@ -4229,6 +4326,225 @@
     <p:extLst>
       <p:ext uri="{BB962C8B-B14F-4D97-AF65-F5344CB8AC3E}">
         <p14:creationId xmlns:p14="http://schemas.microsoft.com/office/powerpoint/2010/main" val="4140601650"/>
+      </p:ext>
+    </p:extLst>
+  </p:cSld>
+  <p:clrMapOvr>
+    <a:masterClrMapping/>
+  </p:clrMapOvr>
+  <p:timing>
+    <p:tnLst>
+      <p:par>
+        <p:cTn id="1" dur="indefinite" restart="never" nodeType="tmRoot"/>
+      </p:par>
+    </p:tnLst>
+  </p:timing>
+</p:sld>
+</file>
+
+<file path=ppt/slides/slide2.xml><?xml version="1.0" encoding="utf-8"?>
+<p:sld xmlns:a="http://schemas.openxmlformats.org/drawingml/2006/main" xmlns:r="http://schemas.openxmlformats.org/officeDocument/2006/relationships" xmlns:p="http://schemas.openxmlformats.org/presentationml/2006/main">
+  <p:cSld>
+    <p:spTree>
+      <p:nvGrpSpPr>
+        <p:cNvPr id="1" name=""/>
+        <p:cNvGrpSpPr/>
+        <p:nvPr/>
+      </p:nvGrpSpPr>
+      <p:grpSpPr>
+        <a:xfrm>
+          <a:off x="0" y="0"/>
+          <a:ext cx="0" cy="0"/>
+          <a:chOff x="0" y="0"/>
+          <a:chExt cx="0" cy="0"/>
+        </a:xfrm>
+      </p:grpSpPr>
+      <p:graphicFrame>
+        <p:nvGraphicFramePr>
+          <p:cNvPr id="9" name="Table 8"/>
+          <p:cNvGraphicFramePr>
+            <a:graphicFrameLocks noGrp="1"/>
+          </p:cNvGraphicFramePr>
+          <p:nvPr>
+            <p:extLst>
+              <p:ext uri="{D42A27DB-BD31-4B8C-83A1-F6EECF244321}">
+                <p14:modId xmlns:p14="http://schemas.microsoft.com/office/powerpoint/2010/main" val="792179531"/>
+              </p:ext>
+            </p:extLst>
+          </p:nvPr>
+        </p:nvGraphicFramePr>
+        <p:xfrm>
+          <a:off x="304800" y="152400"/>
+          <a:ext cx="3733800" cy="1854200"/>
+        </p:xfrm>
+        <a:graphic>
+          <a:graphicData uri="http://schemas.openxmlformats.org/drawingml/2006/table">
+            <a:tbl>
+              <a:tblPr firstRow="1" bandRow="1">
+                <a:tableStyleId>{5C22544A-7EE6-4342-B048-85BDC9FD1C3A}</a:tableStyleId>
+              </a:tblPr>
+              <a:tblGrid>
+                <a:gridCol w="2286000"/>
+                <a:gridCol w="1447800"/>
+              </a:tblGrid>
+              <a:tr h="370840">
+                <a:tc gridSpan="2">
+                  <a:txBody>
+                    <a:bodyPr/>
+                    <a:lstStyle/>
+                    <a:p>
+                      <a:r>
+                        <a:rPr lang="en-US" sz="1500" dirty="0" smtClean="0"/>
+                        <a:t>Devices</a:t>
+                      </a:r>
+                      <a:endParaRPr lang="en-US" sz="1500" dirty="0"/>
+                    </a:p>
+                  </a:txBody>
+                  <a:tcPr/>
+                </a:tc>
+                <a:tc hMerge="1">
+                  <a:txBody>
+                    <a:bodyPr/>
+                    <a:lstStyle/>
+                    <a:p>
+                      <a:endParaRPr lang="en-US" dirty="0"/>
+                    </a:p>
+                  </a:txBody>
+                  <a:tcPr/>
+                </a:tc>
+              </a:tr>
+              <a:tr h="370840">
+                <a:tc>
+                  <a:txBody>
+                    <a:bodyPr/>
+                    <a:lstStyle/>
+                    <a:p>
+                      <a:r>
+                        <a:rPr lang="en-US" sz="1500" dirty="0" smtClean="0"/>
+                        <a:t>PRIMARY</a:t>
+                      </a:r>
+                      <a:r>
+                        <a:rPr lang="en-US" sz="1500" baseline="0" dirty="0" smtClean="0"/>
+                        <a:t> VARCHAR(255)</a:t>
+                      </a:r>
+                      <a:endParaRPr lang="en-US" sz="1500" dirty="0"/>
+                    </a:p>
+                  </a:txBody>
+                  <a:tcPr/>
+                </a:tc>
+                <a:tc>
+                  <a:txBody>
+                    <a:bodyPr/>
+                    <a:lstStyle/>
+                    <a:p>
+                      <a:r>
+                        <a:rPr lang="en-US" sz="1500" dirty="0" smtClean="0"/>
+                        <a:t>id</a:t>
+                      </a:r>
+                      <a:endParaRPr lang="en-US" sz="1500" dirty="0"/>
+                    </a:p>
+                  </a:txBody>
+                  <a:tcPr/>
+                </a:tc>
+              </a:tr>
+              <a:tr h="370840">
+                <a:tc>
+                  <a:txBody>
+                    <a:bodyPr/>
+                    <a:lstStyle/>
+                    <a:p>
+                      <a:r>
+                        <a:rPr lang="en-US" sz="1500" dirty="0" smtClean="0"/>
+                        <a:t>FOREIGN TEXT</a:t>
+                      </a:r>
+                      <a:endParaRPr lang="en-US" sz="1500" dirty="0"/>
+                    </a:p>
+                  </a:txBody>
+                  <a:tcPr/>
+                </a:tc>
+                <a:tc>
+                  <a:txBody>
+                    <a:bodyPr/>
+                    <a:lstStyle/>
+                    <a:p>
+                      <a:r>
+                        <a:rPr lang="en-US" sz="1500" dirty="0" err="1" smtClean="0"/>
+                        <a:t>user_id</a:t>
+                      </a:r>
+                      <a:endParaRPr lang="en-US" sz="1500" dirty="0"/>
+                    </a:p>
+                  </a:txBody>
+                  <a:tcPr/>
+                </a:tc>
+              </a:tr>
+              <a:tr h="370840">
+                <a:tc>
+                  <a:txBody>
+                    <a:bodyPr/>
+                    <a:lstStyle/>
+                    <a:p>
+                      <a:r>
+                        <a:rPr lang="en-US" sz="1500" dirty="0" smtClean="0"/>
+                        <a:t>TEXT</a:t>
+                      </a:r>
+                      <a:endParaRPr lang="en-US" sz="1500" dirty="0"/>
+                    </a:p>
+                  </a:txBody>
+                  <a:tcPr/>
+                </a:tc>
+                <a:tc>
+                  <a:txBody>
+                    <a:bodyPr/>
+                    <a:lstStyle/>
+                    <a:p>
+                      <a:r>
+                        <a:rPr lang="en-US" sz="1500" dirty="0" err="1" smtClean="0"/>
+                        <a:t>device_name</a:t>
+                      </a:r>
+                      <a:endParaRPr lang="en-US" sz="1500" dirty="0"/>
+                    </a:p>
+                  </a:txBody>
+                  <a:tcPr/>
+                </a:tc>
+              </a:tr>
+              <a:tr h="370840">
+                <a:tc>
+                  <a:txBody>
+                    <a:bodyPr/>
+                    <a:lstStyle/>
+                    <a:p>
+                      <a:r>
+                        <a:rPr lang="en-US" sz="1500" dirty="0" smtClean="0"/>
+                        <a:t>TEXT</a:t>
+                      </a:r>
+                      <a:endParaRPr lang="en-US" sz="1500" dirty="0"/>
+                    </a:p>
+                  </a:txBody>
+                  <a:tcPr/>
+                </a:tc>
+                <a:tc>
+                  <a:txBody>
+                    <a:bodyPr/>
+                    <a:lstStyle/>
+                    <a:p>
+                      <a:r>
+                        <a:rPr lang="en-US" sz="1500" dirty="0" smtClean="0"/>
+                        <a:t>timestamp</a:t>
+                      </a:r>
+                      <a:endParaRPr lang="en-US" sz="1500" dirty="0"/>
+                    </a:p>
+                  </a:txBody>
+                  <a:tcPr/>
+                </a:tc>
+              </a:tr>
+            </a:tbl>
+          </a:graphicData>
+        </a:graphic>
+      </p:graphicFrame>
+    </p:spTree>
+    <p:extLst>
+      <p:ext uri="{BB962C8B-B14F-4D97-AF65-F5344CB8AC3E}">
+        <p14:creationId xmlns:p14="http://schemas.microsoft.com/office/powerpoint/2010/main" val="1575277749"/>
       </p:ext>
     </p:extLst>
   </p:cSld>

--- a/doc/archive/cs3216 asgn3 database schema.pptx
+++ b/doc/archive/cs3216 asgn3 database schema.pptx
@@ -5,11 +5,12 @@
     <p:sldMasterId id="2147483648" r:id="rId1"/>
   </p:sldMasterIdLst>
   <p:notesMasterIdLst>
-    <p:notesMasterId r:id="rId4"/>
+    <p:notesMasterId r:id="rId5"/>
   </p:notesMasterIdLst>
   <p:sldIdLst>
     <p:sldId id="256" r:id="rId2"/>
-    <p:sldId id="257" r:id="rId3"/>
+    <p:sldId id="258" r:id="rId3"/>
+    <p:sldId id="257" r:id="rId4"/>
   </p:sldIdLst>
   <p:sldSz cx="9144000" cy="6858000" type="screen4x3"/>
   <p:notesSz cx="6858000" cy="9144000"/>
@@ -193,7 +194,7 @@
           <a:p>
             <a:fld id="{217E0393-F28B-45E1-B572-3B319722CE5E}" type="datetimeFigureOut">
               <a:rPr lang="en-US" smtClean="0"/>
-              <a:t>9/26/2013</a:t>
+              <a:t>9/26/13</a:t>
             </a:fld>
             <a:endParaRPr lang="en-US"/>
           </a:p>
@@ -628,6 +629,45 @@
           <a:bodyPr/>
           <a:lstStyle/>
           <a:p>
+            <a:r>
+              <a:rPr lang="en-US" dirty="0" smtClean="0">
+                <a:hlinkClick r:id="rId3"/>
+              </a:rPr>
+              <a:t>http://www.databaseanswers.org/tutorial4_db_schema/tutorial_slide_5.htm</a:t>
+            </a:r>
+            <a:endParaRPr lang="en-US" dirty="0" smtClean="0"/>
+          </a:p>
+          <a:p>
+            <a:endParaRPr lang="en-US" dirty="0" smtClean="0"/>
+          </a:p>
+          <a:p>
+            <a:r>
+              <a:rPr lang="en-US" smtClean="0">
+                <a:hlinkClick r:id="rId4"/>
+              </a:rPr>
+              <a:t>http://www.kawoolutions.com/SQL_Database_Design/5._Properties_of_Relationships/5.6_Epilog_on_Relationship_Notations</a:t>
+            </a:r>
+            <a:endParaRPr lang="en-US" smtClean="0"/>
+          </a:p>
+          <a:p>
+            <a:endParaRPr lang="en-US" dirty="0" smtClean="0"/>
+          </a:p>
+          <a:p>
+            <a:r>
+              <a:rPr lang="en-US" dirty="0" smtClean="0">
+                <a:hlinkClick r:id="rId5"/>
+              </a:rPr>
+              <a:t>http://cisnet.baruch.cuny.edu/holowczak/classes/9440/drawerppt/how_to_draw_er_in_ppt.pdf</a:t>
+            </a:r>
+            <a:endParaRPr lang="en-US" dirty="0" smtClean="0"/>
+          </a:p>
+          <a:p>
+            <a:r>
+              <a:rPr lang="en-US" dirty="0" smtClean="0">
+                <a:hlinkClick r:id="rId6"/>
+              </a:rPr>
+              <a:t>http://holowczak.com/drawing-e-r-diagrams-with-crows-foot-notation-using-microsoft-visio-tutorial/</a:t>
+            </a:r>
             <a:endParaRPr lang="en-US" dirty="0"/>
           </a:p>
         </p:txBody>
@@ -650,6 +690,90 @@
             <a:fld id="{C36AF29C-1538-4342-BC62-62C04249F027}" type="slidenum">
               <a:rPr lang="en-US" smtClean="0"/>
               <a:t>2</a:t>
+            </a:fld>
+            <a:endParaRPr lang="en-US"/>
+          </a:p>
+        </p:txBody>
+      </p:sp>
+    </p:spTree>
+    <p:extLst>
+      <p:ext uri="{BB962C8B-B14F-4D97-AF65-F5344CB8AC3E}">
+        <p14:creationId xmlns:p14="http://schemas.microsoft.com/office/powerpoint/2010/main" val="2180478927"/>
+      </p:ext>
+    </p:extLst>
+  </p:cSld>
+  <p:clrMapOvr>
+    <a:masterClrMapping/>
+  </p:clrMapOvr>
+</p:notes>
+</file>
+
+<file path=ppt/notesSlides/notesSlide3.xml><?xml version="1.0" encoding="utf-8"?>
+<p:notes xmlns:a="http://schemas.openxmlformats.org/drawingml/2006/main" xmlns:r="http://schemas.openxmlformats.org/officeDocument/2006/relationships" xmlns:p="http://schemas.openxmlformats.org/presentationml/2006/main">
+  <p:cSld>
+    <p:spTree>
+      <p:nvGrpSpPr>
+        <p:cNvPr id="1" name=""/>
+        <p:cNvGrpSpPr/>
+        <p:nvPr/>
+      </p:nvGrpSpPr>
+      <p:grpSpPr>
+        <a:xfrm>
+          <a:off x="0" y="0"/>
+          <a:ext cx="0" cy="0"/>
+          <a:chOff x="0" y="0"/>
+          <a:chExt cx="0" cy="0"/>
+        </a:xfrm>
+      </p:grpSpPr>
+      <p:sp>
+        <p:nvSpPr>
+          <p:cNvPr id="2" name="Slide Image Placeholder 1"/>
+          <p:cNvSpPr>
+            <a:spLocks noGrp="1" noRot="1" noChangeAspect="1"/>
+          </p:cNvSpPr>
+          <p:nvPr>
+            <p:ph type="sldImg"/>
+          </p:nvPr>
+        </p:nvSpPr>
+        <p:spPr/>
+      </p:sp>
+      <p:sp>
+        <p:nvSpPr>
+          <p:cNvPr id="3" name="Notes Placeholder 2"/>
+          <p:cNvSpPr>
+            <a:spLocks noGrp="1"/>
+          </p:cNvSpPr>
+          <p:nvPr>
+            <p:ph type="body" idx="1"/>
+          </p:nvPr>
+        </p:nvSpPr>
+        <p:spPr/>
+        <p:txBody>
+          <a:bodyPr/>
+          <a:lstStyle/>
+          <a:p>
+            <a:endParaRPr lang="en-US" dirty="0"/>
+          </a:p>
+        </p:txBody>
+      </p:sp>
+      <p:sp>
+        <p:nvSpPr>
+          <p:cNvPr id="4" name="Slide Number Placeholder 3"/>
+          <p:cNvSpPr>
+            <a:spLocks noGrp="1"/>
+          </p:cNvSpPr>
+          <p:nvPr>
+            <p:ph type="sldNum" sz="quarter" idx="10"/>
+          </p:nvPr>
+        </p:nvSpPr>
+        <p:spPr/>
+        <p:txBody>
+          <a:bodyPr/>
+          <a:lstStyle/>
+          <a:p>
+            <a:fld id="{C36AF29C-1538-4342-BC62-62C04249F027}" type="slidenum">
+              <a:rPr lang="en-US" smtClean="0"/>
+              <a:t>3</a:t>
             </a:fld>
             <a:endParaRPr lang="en-US"/>
           </a:p>
@@ -849,7 +973,7 @@
           <a:p>
             <a:fld id="{A8F293A3-705E-4EFF-B068-40B8AB4C6774}" type="datetimeFigureOut">
               <a:rPr lang="en-US" smtClean="0"/>
-              <a:t>9/26/2013</a:t>
+              <a:t>9/26/13</a:t>
             </a:fld>
             <a:endParaRPr lang="en-US"/>
           </a:p>
@@ -1019,7 +1143,7 @@
           <a:p>
             <a:fld id="{A8F293A3-705E-4EFF-B068-40B8AB4C6774}" type="datetimeFigureOut">
               <a:rPr lang="en-US" smtClean="0"/>
-              <a:t>9/26/2013</a:t>
+              <a:t>9/26/13</a:t>
             </a:fld>
             <a:endParaRPr lang="en-US"/>
           </a:p>
@@ -1199,7 +1323,7 @@
           <a:p>
             <a:fld id="{A8F293A3-705E-4EFF-B068-40B8AB4C6774}" type="datetimeFigureOut">
               <a:rPr lang="en-US" smtClean="0"/>
-              <a:t>9/26/2013</a:t>
+              <a:t>9/26/13</a:t>
             </a:fld>
             <a:endParaRPr lang="en-US"/>
           </a:p>
@@ -1369,7 +1493,7 @@
           <a:p>
             <a:fld id="{A8F293A3-705E-4EFF-B068-40B8AB4C6774}" type="datetimeFigureOut">
               <a:rPr lang="en-US" smtClean="0"/>
-              <a:t>9/26/2013</a:t>
+              <a:t>9/26/13</a:t>
             </a:fld>
             <a:endParaRPr lang="en-US"/>
           </a:p>
@@ -1615,7 +1739,7 @@
           <a:p>
             <a:fld id="{A8F293A3-705E-4EFF-B068-40B8AB4C6774}" type="datetimeFigureOut">
               <a:rPr lang="en-US" smtClean="0"/>
-              <a:t>9/26/2013</a:t>
+              <a:t>9/26/13</a:t>
             </a:fld>
             <a:endParaRPr lang="en-US"/>
           </a:p>
@@ -1903,7 +2027,7 @@
           <a:p>
             <a:fld id="{A8F293A3-705E-4EFF-B068-40B8AB4C6774}" type="datetimeFigureOut">
               <a:rPr lang="en-US" smtClean="0"/>
-              <a:t>9/26/2013</a:t>
+              <a:t>9/26/13</a:t>
             </a:fld>
             <a:endParaRPr lang="en-US"/>
           </a:p>
@@ -2325,7 +2449,7 @@
           <a:p>
             <a:fld id="{A8F293A3-705E-4EFF-B068-40B8AB4C6774}" type="datetimeFigureOut">
               <a:rPr lang="en-US" smtClean="0"/>
-              <a:t>9/26/2013</a:t>
+              <a:t>9/26/13</a:t>
             </a:fld>
             <a:endParaRPr lang="en-US"/>
           </a:p>
@@ -2443,7 +2567,7 @@
           <a:p>
             <a:fld id="{A8F293A3-705E-4EFF-B068-40B8AB4C6774}" type="datetimeFigureOut">
               <a:rPr lang="en-US" smtClean="0"/>
-              <a:t>9/26/2013</a:t>
+              <a:t>9/26/13</a:t>
             </a:fld>
             <a:endParaRPr lang="en-US"/>
           </a:p>
@@ -2538,7 +2662,7 @@
           <a:p>
             <a:fld id="{A8F293A3-705E-4EFF-B068-40B8AB4C6774}" type="datetimeFigureOut">
               <a:rPr lang="en-US" smtClean="0"/>
-              <a:t>9/26/2013</a:t>
+              <a:t>9/26/13</a:t>
             </a:fld>
             <a:endParaRPr lang="en-US"/>
           </a:p>
@@ -2815,7 +2939,7 @@
           <a:p>
             <a:fld id="{A8F293A3-705E-4EFF-B068-40B8AB4C6774}" type="datetimeFigureOut">
               <a:rPr lang="en-US" smtClean="0"/>
-              <a:t>9/26/2013</a:t>
+              <a:t>9/26/13</a:t>
             </a:fld>
             <a:endParaRPr lang="en-US"/>
           </a:p>
@@ -3068,7 +3192,7 @@
           <a:p>
             <a:fld id="{A8F293A3-705E-4EFF-B068-40B8AB4C6774}" type="datetimeFigureOut">
               <a:rPr lang="en-US" smtClean="0"/>
-              <a:t>9/26/2013</a:t>
+              <a:t>9/26/13</a:t>
             </a:fld>
             <a:endParaRPr lang="en-US"/>
           </a:p>
@@ -3281,7 +3405,7 @@
           <a:p>
             <a:fld id="{A8F293A3-705E-4EFF-B068-40B8AB4C6774}" type="datetimeFigureOut">
               <a:rPr lang="en-US" smtClean="0"/>
-              <a:t>9/26/2013</a:t>
+              <a:t>9/26/13</a:t>
             </a:fld>
             <a:endParaRPr lang="en-US"/>
           </a:p>
@@ -3665,7 +3789,635 @@
           <p:nvPr>
             <p:extLst>
               <p:ext uri="{D42A27DB-BD31-4B8C-83A1-F6EECF244321}">
-                <p14:modId xmlns:p14="http://schemas.microsoft.com/office/powerpoint/2010/main" val="1147193449"/>
+                <p14:modId xmlns:p14="http://schemas.microsoft.com/office/powerpoint/2010/main" val="2072803525"/>
+              </p:ext>
+            </p:extLst>
+          </p:nvPr>
+        </p:nvGraphicFramePr>
+        <p:xfrm>
+          <a:off x="304800" y="2948670"/>
+          <a:ext cx="3733800" cy="1483360"/>
+        </p:xfrm>
+        <a:graphic>
+          <a:graphicData uri="http://schemas.openxmlformats.org/drawingml/2006/table">
+            <a:tbl>
+              <a:tblPr firstRow="1" bandRow="1">
+                <a:tableStyleId>{5C22544A-7EE6-4342-B048-85BDC9FD1C3A}</a:tableStyleId>
+              </a:tblPr>
+              <a:tblGrid>
+                <a:gridCol w="2286000"/>
+                <a:gridCol w="1447800"/>
+              </a:tblGrid>
+              <a:tr h="370840">
+                <a:tc gridSpan="2">
+                  <a:txBody>
+                    <a:bodyPr/>
+                    <a:lstStyle/>
+                    <a:p>
+                      <a:r>
+                        <a:rPr lang="en-US" sz="1500" dirty="0" smtClean="0"/>
+                        <a:t>Entries</a:t>
+                      </a:r>
+                      <a:endParaRPr lang="en-US" sz="1500" dirty="0"/>
+                    </a:p>
+                  </a:txBody>
+                  <a:tcPr/>
+                </a:tc>
+                <a:tc hMerge="1">
+                  <a:txBody>
+                    <a:bodyPr/>
+                    <a:lstStyle/>
+                    <a:p>
+                      <a:endParaRPr lang="en-US" dirty="0"/>
+                    </a:p>
+                  </a:txBody>
+                  <a:tcPr/>
+                </a:tc>
+              </a:tr>
+              <a:tr h="370840">
+                <a:tc>
+                  <a:txBody>
+                    <a:bodyPr/>
+                    <a:lstStyle/>
+                    <a:p>
+                      <a:r>
+                        <a:rPr lang="en-US" sz="1500" b="1" u="sng" dirty="0" smtClean="0"/>
+                        <a:t>PRIMARY</a:t>
+                      </a:r>
+                      <a:r>
+                        <a:rPr lang="en-US" sz="1500" b="1" u="sng" baseline="0" dirty="0" smtClean="0"/>
+                        <a:t> VARCHAR(255)</a:t>
+                      </a:r>
+                      <a:endParaRPr lang="en-US" sz="1500" b="1" u="sng" dirty="0"/>
+                    </a:p>
+                  </a:txBody>
+                  <a:tcPr/>
+                </a:tc>
+                <a:tc>
+                  <a:txBody>
+                    <a:bodyPr/>
+                    <a:lstStyle/>
+                    <a:p>
+                      <a:r>
+                        <a:rPr lang="en-US" sz="1500" b="1" u="sng" dirty="0" smtClean="0"/>
+                        <a:t>id</a:t>
+                      </a:r>
+                      <a:endParaRPr lang="en-US" sz="1500" b="1" u="sng" dirty="0"/>
+                    </a:p>
+                  </a:txBody>
+                  <a:tcPr/>
+                </a:tc>
+              </a:tr>
+              <a:tr h="370840">
+                <a:tc>
+                  <a:txBody>
+                    <a:bodyPr/>
+                    <a:lstStyle/>
+                    <a:p>
+                      <a:r>
+                        <a:rPr lang="en-US" sz="1500" b="1" u="sng" dirty="0" smtClean="0"/>
+                        <a:t>PRIMARY</a:t>
+                      </a:r>
+                      <a:r>
+                        <a:rPr lang="en-US" sz="1500" b="1" u="sng" baseline="0" dirty="0" smtClean="0"/>
+                        <a:t> </a:t>
+                      </a:r>
+                      <a:r>
+                        <a:rPr lang="en-US" sz="1500" b="1" u="sng" dirty="0" smtClean="0"/>
+                        <a:t>VARCHAR(255)</a:t>
+                      </a:r>
+                      <a:endParaRPr lang="en-US" sz="1500" b="1" u="sng" dirty="0"/>
+                    </a:p>
+                  </a:txBody>
+                  <a:tcPr/>
+                </a:tc>
+                <a:tc>
+                  <a:txBody>
+                    <a:bodyPr/>
+                    <a:lstStyle/>
+                    <a:p>
+                      <a:r>
+                        <a:rPr lang="en-US" sz="1500" b="1" u="sng" dirty="0" smtClean="0"/>
+                        <a:t>user</a:t>
+                      </a:r>
+                      <a:endParaRPr lang="en-US" sz="1500" b="1" u="sng" dirty="0"/>
+                    </a:p>
+                  </a:txBody>
+                  <a:tcPr/>
+                </a:tc>
+              </a:tr>
+              <a:tr h="370840">
+                <a:tc>
+                  <a:txBody>
+                    <a:bodyPr/>
+                    <a:lstStyle/>
+                    <a:p>
+                      <a:r>
+                        <a:rPr lang="en-US" sz="1500" dirty="0" smtClean="0"/>
+                        <a:t>TEXT</a:t>
+                      </a:r>
+                      <a:endParaRPr lang="en-US" sz="1500" dirty="0"/>
+                    </a:p>
+                  </a:txBody>
+                  <a:tcPr/>
+                </a:tc>
+                <a:tc>
+                  <a:txBody>
+                    <a:bodyPr/>
+                    <a:lstStyle/>
+                    <a:p>
+                      <a:r>
+                        <a:rPr lang="en-US" sz="1500" dirty="0" smtClean="0"/>
+                        <a:t>value</a:t>
+                      </a:r>
+                      <a:endParaRPr lang="en-US" sz="1500" dirty="0"/>
+                    </a:p>
+                  </a:txBody>
+                  <a:tcPr/>
+                </a:tc>
+              </a:tr>
+            </a:tbl>
+          </a:graphicData>
+        </a:graphic>
+      </p:graphicFrame>
+      <p:graphicFrame>
+        <p:nvGraphicFramePr>
+          <p:cNvPr id="9" name="Table 8"/>
+          <p:cNvGraphicFramePr>
+            <a:graphicFrameLocks noGrp="1"/>
+          </p:cNvGraphicFramePr>
+          <p:nvPr>
+            <p:extLst>
+              <p:ext uri="{D42A27DB-BD31-4B8C-83A1-F6EECF244321}">
+                <p14:modId xmlns:p14="http://schemas.microsoft.com/office/powerpoint/2010/main" val="2449858049"/>
+              </p:ext>
+            </p:extLst>
+          </p:nvPr>
+        </p:nvGraphicFramePr>
+        <p:xfrm>
+          <a:off x="304800" y="152400"/>
+          <a:ext cx="3733800" cy="1483360"/>
+        </p:xfrm>
+        <a:graphic>
+          <a:graphicData uri="http://schemas.openxmlformats.org/drawingml/2006/table">
+            <a:tbl>
+              <a:tblPr firstRow="1" bandRow="1">
+                <a:tableStyleId>{5C22544A-7EE6-4342-B048-85BDC9FD1C3A}</a:tableStyleId>
+              </a:tblPr>
+              <a:tblGrid>
+                <a:gridCol w="2286000"/>
+                <a:gridCol w="1447800"/>
+              </a:tblGrid>
+              <a:tr h="370840">
+                <a:tc gridSpan="2">
+                  <a:txBody>
+                    <a:bodyPr/>
+                    <a:lstStyle/>
+                    <a:p>
+                      <a:r>
+                        <a:rPr lang="en-US" sz="1500" dirty="0" smtClean="0"/>
+                        <a:t>Users</a:t>
+                      </a:r>
+                      <a:endParaRPr lang="en-US" sz="1500" dirty="0"/>
+                    </a:p>
+                  </a:txBody>
+                  <a:tcPr/>
+                </a:tc>
+                <a:tc hMerge="1">
+                  <a:txBody>
+                    <a:bodyPr/>
+                    <a:lstStyle/>
+                    <a:p>
+                      <a:endParaRPr lang="en-US" dirty="0"/>
+                    </a:p>
+                  </a:txBody>
+                  <a:tcPr/>
+                </a:tc>
+              </a:tr>
+              <a:tr h="370840">
+                <a:tc>
+                  <a:txBody>
+                    <a:bodyPr/>
+                    <a:lstStyle/>
+                    <a:p>
+                      <a:r>
+                        <a:rPr lang="en-US" sz="1500" b="1" u="sng" dirty="0" smtClean="0"/>
+                        <a:t>PRIMARY</a:t>
+                      </a:r>
+                      <a:r>
+                        <a:rPr lang="en-US" sz="1500" b="1" u="sng" baseline="0" dirty="0" smtClean="0"/>
+                        <a:t> VARCHAR(255)</a:t>
+                      </a:r>
+                      <a:endParaRPr lang="en-US" sz="1500" b="1" u="sng" dirty="0"/>
+                    </a:p>
+                  </a:txBody>
+                  <a:tcPr/>
+                </a:tc>
+                <a:tc>
+                  <a:txBody>
+                    <a:bodyPr/>
+                    <a:lstStyle/>
+                    <a:p>
+                      <a:r>
+                        <a:rPr lang="en-US" sz="1500" b="1" u="sng" dirty="0" smtClean="0"/>
+                        <a:t>id</a:t>
+                      </a:r>
+                      <a:endParaRPr lang="en-US" sz="1500" b="1" u="sng" dirty="0"/>
+                    </a:p>
+                  </a:txBody>
+                  <a:tcPr/>
+                </a:tc>
+              </a:tr>
+              <a:tr h="370840">
+                <a:tc>
+                  <a:txBody>
+                    <a:bodyPr/>
+                    <a:lstStyle/>
+                    <a:p>
+                      <a:r>
+                        <a:rPr lang="en-US" sz="1500" b="0" u="none" dirty="0" smtClean="0"/>
+                        <a:t>TEXT</a:t>
+                      </a:r>
+                      <a:endParaRPr lang="en-US" sz="1500" b="0" u="none" dirty="0"/>
+                    </a:p>
+                  </a:txBody>
+                  <a:tcPr/>
+                </a:tc>
+                <a:tc>
+                  <a:txBody>
+                    <a:bodyPr/>
+                    <a:lstStyle/>
+                    <a:p>
+                      <a:r>
+                        <a:rPr lang="en-US" sz="1500" b="0" u="none" dirty="0" err="1" smtClean="0"/>
+                        <a:t>realid</a:t>
+                      </a:r>
+                      <a:endParaRPr lang="en-US" sz="1500" b="0" u="none" dirty="0"/>
+                    </a:p>
+                  </a:txBody>
+                  <a:tcPr/>
+                </a:tc>
+              </a:tr>
+              <a:tr h="370840">
+                <a:tc>
+                  <a:txBody>
+                    <a:bodyPr/>
+                    <a:lstStyle/>
+                    <a:p>
+                      <a:r>
+                        <a:rPr lang="en-US" sz="1500" dirty="0" smtClean="0"/>
+                        <a:t>TEXT</a:t>
+                      </a:r>
+                      <a:endParaRPr lang="en-US" sz="1500" dirty="0"/>
+                    </a:p>
+                  </a:txBody>
+                  <a:tcPr/>
+                </a:tc>
+                <a:tc>
+                  <a:txBody>
+                    <a:bodyPr/>
+                    <a:lstStyle/>
+                    <a:p>
+                      <a:r>
+                        <a:rPr lang="en-US" sz="1500" dirty="0" smtClean="0"/>
+                        <a:t>token</a:t>
+                      </a:r>
+                      <a:endParaRPr lang="en-US" sz="1500" dirty="0"/>
+                    </a:p>
+                  </a:txBody>
+                  <a:tcPr/>
+                </a:tc>
+              </a:tr>
+            </a:tbl>
+          </a:graphicData>
+        </a:graphic>
+      </p:graphicFrame>
+      <p:sp>
+        <p:nvSpPr>
+          <p:cNvPr id="10" name="TextBox 9"/>
+          <p:cNvSpPr txBox="1"/>
+          <p:nvPr/>
+        </p:nvSpPr>
+        <p:spPr>
+          <a:xfrm>
+            <a:off x="228600" y="4419600"/>
+            <a:ext cx="4038600" cy="323165"/>
+          </a:xfrm>
+          <a:prstGeom prst="rect">
+            <a:avLst/>
+          </a:prstGeom>
+          <a:noFill/>
+        </p:spPr>
+        <p:txBody>
+          <a:bodyPr wrap="square" rtlCol="0">
+            <a:spAutoFit/>
+          </a:bodyPr>
+          <a:lstStyle/>
+          <a:p>
+            <a:r>
+              <a:rPr lang="en-US" sz="1500" dirty="0" smtClean="0"/>
+              <a:t>The Client side has an additional BOOLEAN sync. </a:t>
+            </a:r>
+            <a:endParaRPr lang="en-US" sz="1500" dirty="0"/>
+          </a:p>
+        </p:txBody>
+      </p:sp>
+      <p:pic>
+        <p:nvPicPr>
+          <p:cNvPr id="1026" name="Picture 2" descr="C:\Users\a0072963\Downloads\crows foot.png"/>
+          <p:cNvPicPr>
+            <a:picLocks noChangeAspect="1" noChangeArrowheads="1"/>
+          </p:cNvPicPr>
+          <p:nvPr/>
+        </p:nvPicPr>
+        <p:blipFill rotWithShape="1">
+          <a:blip r:embed="rId3">
+            <a:extLst>
+              <a:ext uri="{28A0092B-C50C-407E-A947-70E740481C1C}">
+                <a14:useLocalDpi xmlns:a14="http://schemas.microsoft.com/office/drawing/2010/main" val="0"/>
+              </a:ext>
+            </a:extLst>
+          </a:blip>
+          <a:srcRect r="65556"/>
+          <a:stretch/>
+        </p:blipFill>
+        <p:spPr bwMode="auto">
+          <a:xfrm rot="16200000">
+            <a:off x="1203777" y="2006147"/>
+            <a:ext cx="1351648" cy="596900"/>
+          </a:xfrm>
+          <a:prstGeom prst="rect">
+            <a:avLst/>
+          </a:prstGeom>
+          <a:noFill/>
+          <a:extLst>
+            <a:ext uri="{909E8E84-426E-40dd-AFC4-6F175D3DCCD1}">
+              <a14:hiddenFill xmlns:a14="http://schemas.microsoft.com/office/drawing/2010/main">
+                <a:solidFill>
+                  <a:srgbClr val="FFFFFF"/>
+                </a:solidFill>
+              </a14:hiddenFill>
+            </a:ext>
+          </a:extLst>
+        </p:spPr>
+      </p:pic>
+      <p:cxnSp>
+        <p:nvCxnSpPr>
+          <p:cNvPr id="13" name="Straight Connector 12"/>
+          <p:cNvCxnSpPr/>
+          <p:nvPr/>
+        </p:nvCxnSpPr>
+        <p:spPr>
+          <a:xfrm>
+            <a:off x="1670050" y="1957386"/>
+            <a:ext cx="401639" cy="0"/>
+          </a:xfrm>
+          <a:prstGeom prst="line">
+            <a:avLst/>
+          </a:prstGeom>
+          <a:ln w="82550" cmpd="sng">
+            <a:solidFill>
+              <a:schemeClr val="tx1"/>
+            </a:solidFill>
+          </a:ln>
+        </p:spPr>
+        <p:style>
+          <a:lnRef idx="1">
+            <a:schemeClr val="accent1"/>
+          </a:lnRef>
+          <a:fillRef idx="0">
+            <a:schemeClr val="accent1"/>
+          </a:fillRef>
+          <a:effectRef idx="0">
+            <a:schemeClr val="accent1"/>
+          </a:effectRef>
+          <a:fontRef idx="minor">
+            <a:schemeClr val="tx1"/>
+          </a:fontRef>
+        </p:style>
+      </p:cxnSp>
+      <p:sp>
+        <p:nvSpPr>
+          <p:cNvPr id="14" name="Oval 13"/>
+          <p:cNvSpPr/>
+          <p:nvPr/>
+        </p:nvSpPr>
+        <p:spPr>
+          <a:xfrm>
+            <a:off x="1762123" y="2233610"/>
+            <a:ext cx="228600" cy="228600"/>
+          </a:xfrm>
+          <a:prstGeom prst="ellipse">
+            <a:avLst/>
+          </a:prstGeom>
+          <a:noFill/>
+          <a:ln w="63500">
+            <a:solidFill>
+              <a:schemeClr val="tx1"/>
+            </a:solidFill>
+          </a:ln>
+        </p:spPr>
+        <p:style>
+          <a:lnRef idx="2">
+            <a:schemeClr val="accent1">
+              <a:shade val="50000"/>
+            </a:schemeClr>
+          </a:lnRef>
+          <a:fillRef idx="1">
+            <a:schemeClr val="accent1"/>
+          </a:fillRef>
+          <a:effectRef idx="0">
+            <a:schemeClr val="accent1"/>
+          </a:effectRef>
+          <a:fontRef idx="minor">
+            <a:schemeClr val="lt1"/>
+          </a:fontRef>
+        </p:style>
+        <p:txBody>
+          <a:bodyPr rtlCol="0" anchor="ctr"/>
+          <a:lstStyle/>
+          <a:p>
+            <a:pPr algn="ctr"/>
+            <a:endParaRPr lang="en-US"/>
+          </a:p>
+        </p:txBody>
+      </p:sp>
+      <p:sp>
+        <p:nvSpPr>
+          <p:cNvPr id="18" name="TextBox 17"/>
+          <p:cNvSpPr txBox="1"/>
+          <p:nvPr/>
+        </p:nvSpPr>
+        <p:spPr>
+          <a:xfrm>
+            <a:off x="2209800" y="1658035"/>
+            <a:ext cx="1790700" cy="323165"/>
+          </a:xfrm>
+          <a:prstGeom prst="rect">
+            <a:avLst/>
+          </a:prstGeom>
+          <a:noFill/>
+        </p:spPr>
+        <p:txBody>
+          <a:bodyPr wrap="square" rtlCol="0">
+            <a:spAutoFit/>
+          </a:bodyPr>
+          <a:lstStyle/>
+          <a:p>
+            <a:r>
+              <a:rPr lang="en-US" sz="1500" dirty="0" smtClean="0"/>
+              <a:t>has</a:t>
+            </a:r>
+            <a:endParaRPr lang="en-US" sz="1500" dirty="0"/>
+          </a:p>
+        </p:txBody>
+      </p:sp>
+      <p:sp>
+        <p:nvSpPr>
+          <p:cNvPr id="19" name="TextBox 18"/>
+          <p:cNvSpPr txBox="1"/>
+          <p:nvPr/>
+        </p:nvSpPr>
+        <p:spPr>
+          <a:xfrm>
+            <a:off x="2209800" y="2590800"/>
+            <a:ext cx="1790700" cy="323165"/>
+          </a:xfrm>
+          <a:prstGeom prst="rect">
+            <a:avLst/>
+          </a:prstGeom>
+          <a:noFill/>
+        </p:spPr>
+        <p:txBody>
+          <a:bodyPr wrap="square" rtlCol="0">
+            <a:spAutoFit/>
+          </a:bodyPr>
+          <a:lstStyle/>
+          <a:p>
+            <a:r>
+              <a:rPr lang="en-US" sz="1500" smtClean="0"/>
+              <a:t>belongs to</a:t>
+            </a:r>
+            <a:endParaRPr lang="en-US" sz="1500" dirty="0"/>
+          </a:p>
+        </p:txBody>
+      </p:sp>
+      <p:sp>
+        <p:nvSpPr>
+          <p:cNvPr id="15" name="TextBox 14"/>
+          <p:cNvSpPr txBox="1"/>
+          <p:nvPr/>
+        </p:nvSpPr>
+        <p:spPr>
+          <a:xfrm>
+            <a:off x="4419600" y="304800"/>
+            <a:ext cx="4648200" cy="1754327"/>
+          </a:xfrm>
+          <a:prstGeom prst="rect">
+            <a:avLst/>
+          </a:prstGeom>
+          <a:noFill/>
+        </p:spPr>
+        <p:txBody>
+          <a:bodyPr wrap="square" rtlCol="0">
+            <a:spAutoFit/>
+          </a:bodyPr>
+          <a:lstStyle/>
+          <a:p>
+            <a:r>
+              <a:rPr lang="en-US" dirty="0" smtClean="0"/>
+              <a:t>A user can have zero/one/ many entries.</a:t>
+            </a:r>
+            <a:br>
+              <a:rPr lang="en-US" dirty="0" smtClean="0"/>
+            </a:br>
+            <a:r>
+              <a:rPr lang="en-US" dirty="0" smtClean="0"/>
+              <a:t>Each entry must </a:t>
+            </a:r>
+            <a:r>
+              <a:rPr lang="en-US" dirty="0" smtClean="0"/>
+              <a:t>be linked to a user.</a:t>
+            </a:r>
+          </a:p>
+          <a:p>
+            <a:endParaRPr lang="en-US" dirty="0"/>
+          </a:p>
+          <a:p>
+            <a:r>
+              <a:rPr lang="en-US" dirty="0" smtClean="0"/>
+              <a:t>The </a:t>
+            </a:r>
+            <a:r>
+              <a:rPr lang="en-US" dirty="0" err="1" smtClean="0"/>
+              <a:t>realid</a:t>
+            </a:r>
+            <a:r>
+              <a:rPr lang="en-US" dirty="0" smtClean="0"/>
+              <a:t> field in </a:t>
+            </a:r>
+            <a:r>
+              <a:rPr lang="en-US" dirty="0"/>
+              <a:t>Users table corresponds to user field in Entries </a:t>
+            </a:r>
+            <a:r>
+              <a:rPr lang="en-US" dirty="0" smtClean="0"/>
+              <a:t>table.</a:t>
+            </a:r>
+            <a:endParaRPr lang="en-US" dirty="0" smtClean="0"/>
+          </a:p>
+          <a:p>
+            <a:endParaRPr lang="en-US" dirty="0" smtClean="0"/>
+          </a:p>
+        </p:txBody>
+      </p:sp>
+    </p:spTree>
+    <p:extLst>
+      <p:ext uri="{BB962C8B-B14F-4D97-AF65-F5344CB8AC3E}">
+        <p14:creationId xmlns:p14="http://schemas.microsoft.com/office/powerpoint/2010/main" val="4140601650"/>
+      </p:ext>
+    </p:extLst>
+  </p:cSld>
+  <p:clrMapOvr>
+    <a:masterClrMapping/>
+  </p:clrMapOvr>
+  <p:timing>
+    <p:tnLst>
+      <p:par>
+        <p:cTn xmlns:p14="http://schemas.microsoft.com/office/powerpoint/2010/main" id="1" dur="indefinite" restart="never" nodeType="tmRoot"/>
+      </p:par>
+    </p:tnLst>
+  </p:timing>
+</p:sld>
+</file>
+
+<file path=ppt/slides/slide2.xml><?xml version="1.0" encoding="utf-8"?>
+<p:sld xmlns:a="http://schemas.openxmlformats.org/drawingml/2006/main" xmlns:r="http://schemas.openxmlformats.org/officeDocument/2006/relationships" xmlns:p="http://schemas.openxmlformats.org/presentationml/2006/main">
+  <p:cSld>
+    <p:spTree>
+      <p:nvGrpSpPr>
+        <p:cNvPr id="1" name=""/>
+        <p:cNvGrpSpPr/>
+        <p:nvPr/>
+      </p:nvGrpSpPr>
+      <p:grpSpPr>
+        <a:xfrm>
+          <a:off x="0" y="0"/>
+          <a:ext cx="0" cy="0"/>
+          <a:chOff x="0" y="0"/>
+          <a:chExt cx="0" cy="0"/>
+        </a:xfrm>
+      </p:grpSpPr>
+      <p:graphicFrame>
+        <p:nvGraphicFramePr>
+          <p:cNvPr id="8" name="Table 7"/>
+          <p:cNvGraphicFramePr>
+            <a:graphicFrameLocks noGrp="1"/>
+          </p:cNvGraphicFramePr>
+          <p:nvPr>
+            <p:extLst>
+              <p:ext uri="{D42A27DB-BD31-4B8C-83A1-F6EECF244321}">
+                <p14:modId xmlns:p14="http://schemas.microsoft.com/office/powerpoint/2010/main" val="3752370365"/>
               </p:ext>
             </p:extLst>
           </p:nvPr>
@@ -3717,14 +4469,14 @@
                     <a:lstStyle/>
                     <a:p>
                       <a:r>
-                        <a:rPr lang="en-US" sz="1500" dirty="0" smtClean="0"/>
+                        <a:rPr lang="en-US" sz="1500" b="1" u="sng" dirty="0" smtClean="0"/>
                         <a:t>PRIMARY</a:t>
                       </a:r>
                       <a:r>
-                        <a:rPr lang="en-US" sz="1500" baseline="0" dirty="0" smtClean="0"/>
+                        <a:rPr lang="en-US" sz="1500" b="1" u="sng" baseline="0" dirty="0" smtClean="0"/>
                         <a:t> VARCHAR(255)</a:t>
                       </a:r>
-                      <a:endParaRPr lang="en-US" sz="1500" dirty="0"/>
+                      <a:endParaRPr lang="en-US" sz="1500" b="1" u="sng" dirty="0"/>
                     </a:p>
                   </a:txBody>
                   <a:tcPr/>
@@ -3735,10 +4487,10 @@
                     <a:lstStyle/>
                     <a:p>
                       <a:r>
-                        <a:rPr lang="en-US" sz="1500" dirty="0" smtClean="0"/>
+                        <a:rPr lang="en-US" sz="1500" b="1" u="sng" dirty="0" smtClean="0"/>
                         <a:t>id</a:t>
                       </a:r>
-                      <a:endParaRPr lang="en-US" sz="1500" dirty="0"/>
+                      <a:endParaRPr lang="en-US" sz="1500" b="1" u="sng" dirty="0"/>
                     </a:p>
                   </a:txBody>
                   <a:tcPr/>
@@ -3877,7 +4629,7 @@
           <p:nvPr>
             <p:extLst>
               <p:ext uri="{D42A27DB-BD31-4B8C-83A1-F6EECF244321}">
-                <p14:modId xmlns:p14="http://schemas.microsoft.com/office/powerpoint/2010/main" val="1815378267"/>
+                <p14:modId xmlns:p14="http://schemas.microsoft.com/office/powerpoint/2010/main" val="466227481"/>
               </p:ext>
             </p:extLst>
           </p:nvPr>
@@ -3929,14 +4681,14 @@
                     <a:lstStyle/>
                     <a:p>
                       <a:r>
-                        <a:rPr lang="en-US" sz="1500" dirty="0" smtClean="0"/>
+                        <a:rPr lang="en-US" sz="1500" b="1" u="sng" dirty="0" smtClean="0"/>
                         <a:t>PRIMARY</a:t>
                       </a:r>
                       <a:r>
-                        <a:rPr lang="en-US" sz="1500" baseline="0" dirty="0" smtClean="0"/>
+                        <a:rPr lang="en-US" sz="1500" b="1" u="sng" baseline="0" dirty="0" smtClean="0"/>
                         <a:t> VARCHAR(255)</a:t>
                       </a:r>
-                      <a:endParaRPr lang="en-US" sz="1500" dirty="0"/>
+                      <a:endParaRPr lang="en-US" sz="1500" b="1" u="sng" dirty="0"/>
                     </a:p>
                   </a:txBody>
                   <a:tcPr/>
@@ -3947,10 +4699,10 @@
                     <a:lstStyle/>
                     <a:p>
                       <a:r>
-                        <a:rPr lang="en-US" sz="1500" dirty="0" smtClean="0"/>
+                        <a:rPr lang="en-US" sz="1500" b="1" u="sng" dirty="0" smtClean="0"/>
                         <a:t>id</a:t>
                       </a:r>
-                      <a:endParaRPr lang="en-US" sz="1500" dirty="0"/>
+                      <a:endParaRPr lang="en-US" sz="1500" b="1" u="sng" dirty="0"/>
                     </a:p>
                   </a:txBody>
                   <a:tcPr/>
@@ -3963,10 +4715,10 @@
                     <a:lstStyle/>
                     <a:p>
                       <a:r>
-                        <a:rPr lang="en-US" sz="1500" dirty="0" smtClean="0"/>
-                        <a:t>TEXT</a:t>
+                        <a:rPr lang="en-US" sz="1500" b="1" u="sng" dirty="0" smtClean="0"/>
+                        <a:t>PRIMARY TEXT</a:t>
                       </a:r>
-                      <a:endParaRPr lang="en-US" sz="1500" dirty="0"/>
+                      <a:endParaRPr lang="en-US" sz="1500" b="1" u="sng" dirty="0"/>
                     </a:p>
                   </a:txBody>
                   <a:tcPr/>
@@ -3977,10 +4729,10 @@
                     <a:lstStyle/>
                     <a:p>
                       <a:r>
-                        <a:rPr lang="en-US" sz="1500" dirty="0" err="1" smtClean="0"/>
+                        <a:rPr lang="en-US" sz="1500" b="1" u="none" dirty="0" err="1" smtClean="0"/>
                         <a:t>user_id</a:t>
                       </a:r>
-                      <a:endParaRPr lang="en-US" sz="1500" dirty="0"/>
+                      <a:endParaRPr lang="en-US" sz="1500" b="1" u="none" dirty="0"/>
                     </a:p>
                   </a:txBody>
                   <a:tcPr/>
@@ -4121,7 +4873,7 @@
           </a:prstGeom>
           <a:noFill/>
           <a:extLst>
-            <a:ext uri="{909E8E84-426E-40DD-AFC4-6F175D3DCCD1}">
+            <a:ext uri="{909E8E84-426E-40dd-AFC4-6F175D3DCCD1}">
               <a14:hiddenFill xmlns:a14="http://schemas.microsoft.com/office/drawing/2010/main">
                 <a:solidFill>
                   <a:srgbClr val="FFFFFF"/>
@@ -4325,7 +5077,7 @@
     </p:spTree>
     <p:extLst>
       <p:ext uri="{BB962C8B-B14F-4D97-AF65-F5344CB8AC3E}">
-        <p14:creationId xmlns:p14="http://schemas.microsoft.com/office/powerpoint/2010/main" val="4140601650"/>
+        <p14:creationId xmlns:p14="http://schemas.microsoft.com/office/powerpoint/2010/main" val="3390635415"/>
       </p:ext>
     </p:extLst>
   </p:cSld>
@@ -4335,14 +5087,14 @@
   <p:timing>
     <p:tnLst>
       <p:par>
-        <p:cTn id="1" dur="indefinite" restart="never" nodeType="tmRoot"/>
+        <p:cTn xmlns:p14="http://schemas.microsoft.com/office/powerpoint/2010/main" id="1" dur="indefinite" restart="never" nodeType="tmRoot"/>
       </p:par>
     </p:tnLst>
   </p:timing>
 </p:sld>
 </file>
 
-<file path=ppt/slides/slide2.xml><?xml version="1.0" encoding="utf-8"?>
+<file path=ppt/slides/slide3.xml><?xml version="1.0" encoding="utf-8"?>
 <p:sld xmlns:a="http://schemas.openxmlformats.org/drawingml/2006/main" xmlns:r="http://schemas.openxmlformats.org/officeDocument/2006/relationships" xmlns:p="http://schemas.openxmlformats.org/presentationml/2006/main">
   <p:cSld>
     <p:spTree>
@@ -4554,7 +5306,7 @@
   <p:timing>
     <p:tnLst>
       <p:par>
-        <p:cTn id="1" dur="indefinite" restart="never" nodeType="tmRoot"/>
+        <p:cTn xmlns:p14="http://schemas.microsoft.com/office/powerpoint/2010/main" id="1" dur="indefinite" restart="never" nodeType="tmRoot"/>
       </p:par>
     </p:tnLst>
   </p:timing>
